--- a/static/HotFuzz.pptx
+++ b/static/HotFuzz.pptx
@@ -210,7 +210,7 @@
           <a:p>
             <a:fld id="{F8BBC910-7BCA-474B-8FBA-2AB4DCEECF88}" type="datetimeFigureOut">
               <a:rPr lang="en-US" smtClean="0"/>
-              <a:t>2/26/20</a:t>
+              <a:t>7/26/21</a:t>
             </a:fld>
             <a:endParaRPr lang="en-US"/>
           </a:p>
@@ -1514,7 +1514,7 @@
           <a:p>
             <a:fld id="{6B82A878-3B36-164A-AD08-F0B875355481}" type="datetime1">
               <a:rPr lang="en-US" smtClean="0"/>
-              <a:t>2/26/20</a:t>
+              <a:t>7/26/21</a:t>
             </a:fld>
             <a:endParaRPr lang="en-US"/>
           </a:p>
@@ -1682,7 +1682,7 @@
           <a:p>
             <a:fld id="{D2C5E1FA-DFAC-074C-B84B-EEA33EDB4FB0}" type="datetime1">
               <a:rPr lang="en-US" smtClean="0"/>
-              <a:t>2/26/20</a:t>
+              <a:t>7/26/21</a:t>
             </a:fld>
             <a:endParaRPr lang="en-US"/>
           </a:p>
@@ -1860,7 +1860,7 @@
           <a:p>
             <a:fld id="{6D557BE9-1F23-094C-90C2-F20A7B855753}" type="datetime1">
               <a:rPr lang="en-US" smtClean="0"/>
-              <a:t>2/26/20</a:t>
+              <a:t>7/26/21</a:t>
             </a:fld>
             <a:endParaRPr lang="en-US"/>
           </a:p>
@@ -2028,7 +2028,7 @@
           <a:p>
             <a:fld id="{BBBFD224-DFDB-9948-8BD5-39900726077D}" type="datetime1">
               <a:rPr lang="en-US" smtClean="0"/>
-              <a:t>2/26/20</a:t>
+              <a:t>7/26/21</a:t>
             </a:fld>
             <a:endParaRPr lang="en-US"/>
           </a:p>
@@ -2273,7 +2273,7 @@
           <a:p>
             <a:fld id="{DE595EB8-34E3-F840-8BA2-3A5256FB7731}" type="datetime1">
               <a:rPr lang="en-US" smtClean="0"/>
-              <a:t>2/26/20</a:t>
+              <a:t>7/26/21</a:t>
             </a:fld>
             <a:endParaRPr lang="en-US"/>
           </a:p>
@@ -2502,7 +2502,7 @@
           <a:p>
             <a:fld id="{498F74CB-5C9C-0D4C-ACDA-4D9F8549B10B}" type="datetime1">
               <a:rPr lang="en-US" smtClean="0"/>
-              <a:t>2/26/20</a:t>
+              <a:t>7/26/21</a:t>
             </a:fld>
             <a:endParaRPr lang="en-US"/>
           </a:p>
@@ -2866,7 +2866,7 @@
           <a:p>
             <a:fld id="{D43F58A4-5021-B043-ACAD-5EFE4529E882}" type="datetime1">
               <a:rPr lang="en-US" smtClean="0"/>
-              <a:t>2/26/20</a:t>
+              <a:t>7/26/21</a:t>
             </a:fld>
             <a:endParaRPr lang="en-US"/>
           </a:p>
@@ -2983,7 +2983,7 @@
           <a:p>
             <a:fld id="{6B9BA4FF-8F38-8840-B800-BCFCE6959292}" type="datetime1">
               <a:rPr lang="en-US" smtClean="0"/>
-              <a:t>2/26/20</a:t>
+              <a:t>7/26/21</a:t>
             </a:fld>
             <a:endParaRPr lang="en-US"/>
           </a:p>
@@ -3078,7 +3078,7 @@
           <a:p>
             <a:fld id="{FEA8EF06-7B23-A543-B9E3-27E151E13F6C}" type="datetime1">
               <a:rPr lang="en-US" smtClean="0"/>
-              <a:t>2/26/20</a:t>
+              <a:t>7/26/21</a:t>
             </a:fld>
             <a:endParaRPr lang="en-US"/>
           </a:p>
@@ -3353,7 +3353,7 @@
           <a:p>
             <a:fld id="{5D6E8B00-FF4C-8C41-BD15-B3FFC1E71242}" type="datetime1">
               <a:rPr lang="en-US" smtClean="0"/>
-              <a:t>2/26/20</a:t>
+              <a:t>7/26/21</a:t>
             </a:fld>
             <a:endParaRPr lang="en-US"/>
           </a:p>
@@ -3605,7 +3605,7 @@
           <a:p>
             <a:fld id="{27441612-21BB-8C47-9595-F21EE7D1E931}" type="datetime1">
               <a:rPr lang="en-US" smtClean="0"/>
-              <a:t>2/26/20</a:t>
+              <a:t>7/26/21</a:t>
             </a:fld>
             <a:endParaRPr lang="en-US"/>
           </a:p>
@@ -3816,7 +3816,7 @@
           <a:p>
             <a:fld id="{4E417B35-648C-DF4A-8D77-DE6E8392DD3E}" type="datetime1">
               <a:rPr lang="en-US" smtClean="0"/>
-              <a:t>2/26/20</a:t>
+              <a:t>7/26/21</a:t>
             </a:fld>
             <a:endParaRPr lang="en-US"/>
           </a:p>
@@ -9468,7 +9468,7 @@
         <p:spPr>
           <a:xfrm>
             <a:off x="5619900" y="4477405"/>
-            <a:ext cx="4904509" cy="1723549"/>
+            <a:ext cx="6007656" cy="1723549"/>
           </a:xfrm>
           <a:prstGeom prst="rect">
             <a:avLst/>
@@ -9567,8 +9567,8 @@
         </p:nvSpPr>
         <p:spPr>
           <a:xfrm>
-            <a:off x="5502349" y="4416951"/>
-            <a:ext cx="5294960" cy="1863267"/>
+            <a:off x="5502348" y="4416951"/>
+            <a:ext cx="6259733" cy="1863267"/>
           </a:xfrm>
           <a:prstGeom prst="roundRect">
             <a:avLst/>
@@ -9651,7 +9651,7 @@
         </p:nvSpPr>
         <p:spPr>
           <a:xfrm>
-            <a:off x="8141427" y="1766820"/>
+            <a:off x="8141427" y="1616014"/>
             <a:ext cx="3620655" cy="646331"/>
           </a:xfrm>
           <a:prstGeom prst="rect">
@@ -12992,7 +12992,7 @@
       </p:pic>
       <p:pic>
         <p:nvPicPr>
-          <p:cNvPr id="15" name="Picture 14" descr="A picture containing cup, table, sitting, refrigerator&#10;&#10;Description automatically generated">
+          <p:cNvPr id="15" name="Picture 14">
             <a:extLst>
               <a:ext uri="{FF2B5EF4-FFF2-40B4-BE49-F238E27FC236}">
                 <a16:creationId xmlns:a16="http://schemas.microsoft.com/office/drawing/2014/main" id="{51C81250-3CF6-3A40-A40A-E31495941C30}"/>
@@ -13012,9 +13012,8 @@
               </a:ext>
             </a:extLst>
           </a:blip>
-          <a:stretch>
-            <a:fillRect/>
-          </a:stretch>
+          <a:srcRect/>
+          <a:stretch/>
         </p:blipFill>
         <p:spPr>
           <a:xfrm>
@@ -13048,14 +13047,13 @@
               </a:ext>
             </a:extLst>
           </a:blip>
-          <a:stretch>
-            <a:fillRect/>
-          </a:stretch>
+          <a:srcRect/>
+          <a:stretch/>
         </p:blipFill>
         <p:spPr>
           <a:xfrm>
-            <a:off x="5002950" y="3278909"/>
-            <a:ext cx="2186098" cy="1229680"/>
+            <a:off x="5090084" y="3278909"/>
+            <a:ext cx="2011830" cy="1229680"/>
           </a:xfrm>
           <a:prstGeom prst="rect">
             <a:avLst/>
